--- a/课件/OI中的斜率 lgj.pptx
+++ b/课件/OI中的斜率 lgj.pptx
@@ -228,7 +228,7 @@
           <a:p>
             <a:fld id="{C430C769-C0D2-4EBB-A615-A7AB3A5D1584}" type="datetimeFigureOut">
               <a:rPr lang="zh-CN" altLang="en-US" smtClean="0"/>
-              <a:t>2019/1/22</a:t>
+              <a:t>2022/1/3</a:t>
             </a:fld>
             <a:endParaRPr lang="zh-CN" altLang="en-US"/>
           </a:p>
@@ -940,7 +940,7 @@
           <a:p>
             <a:fld id="{3069C0D2-A4CE-4A74-B576-94066A7B6826}" type="datetimeFigureOut">
               <a:rPr lang="zh-CN" altLang="en-US" smtClean="0"/>
-              <a:t>2019/1/22</a:t>
+              <a:t>2022/1/3</a:t>
             </a:fld>
             <a:endParaRPr lang="zh-CN" altLang="en-US"/>
           </a:p>
@@ -1354,7 +1354,7 @@
           <a:p>
             <a:fld id="{3069C0D2-A4CE-4A74-B576-94066A7B6826}" type="datetimeFigureOut">
               <a:rPr lang="zh-CN" altLang="en-US" smtClean="0"/>
-              <a:t>2019/1/22</a:t>
+              <a:t>2022/1/3</a:t>
             </a:fld>
             <a:endParaRPr lang="zh-CN" altLang="en-US"/>
           </a:p>
@@ -1690,7 +1690,7 @@
           <a:p>
             <a:fld id="{3069C0D2-A4CE-4A74-B576-94066A7B6826}" type="datetimeFigureOut">
               <a:rPr lang="zh-CN" altLang="en-US" smtClean="0"/>
-              <a:t>2019/1/22</a:t>
+              <a:t>2022/1/3</a:t>
             </a:fld>
             <a:endParaRPr lang="zh-CN" altLang="en-US"/>
           </a:p>
@@ -2095,7 +2095,7 @@
           <a:p>
             <a:fld id="{3069C0D2-A4CE-4A74-B576-94066A7B6826}" type="datetimeFigureOut">
               <a:rPr lang="zh-CN" altLang="en-US" smtClean="0"/>
-              <a:t>2019/1/22</a:t>
+              <a:t>2022/1/3</a:t>
             </a:fld>
             <a:endParaRPr lang="zh-CN" altLang="en-US"/>
           </a:p>
@@ -2663,7 +2663,7 @@
           <a:p>
             <a:fld id="{3069C0D2-A4CE-4A74-B576-94066A7B6826}" type="datetimeFigureOut">
               <a:rPr lang="zh-CN" altLang="en-US" smtClean="0"/>
-              <a:t>2019/1/22</a:t>
+              <a:t>2022/1/3</a:t>
             </a:fld>
             <a:endParaRPr lang="zh-CN" altLang="en-US"/>
           </a:p>
@@ -3344,7 +3344,7 @@
           <a:p>
             <a:fld id="{3069C0D2-A4CE-4A74-B576-94066A7B6826}" type="datetimeFigureOut">
               <a:rPr lang="zh-CN" altLang="en-US" smtClean="0"/>
-              <a:t>2019/1/22</a:t>
+              <a:t>2022/1/3</a:t>
             </a:fld>
             <a:endParaRPr lang="zh-CN" altLang="en-US"/>
           </a:p>
@@ -4257,7 +4257,7 @@
           <a:p>
             <a:fld id="{3069C0D2-A4CE-4A74-B576-94066A7B6826}" type="datetimeFigureOut">
               <a:rPr lang="zh-CN" altLang="en-US" smtClean="0"/>
-              <a:t>2019/1/22</a:t>
+              <a:t>2022/1/3</a:t>
             </a:fld>
             <a:endParaRPr lang="zh-CN" altLang="en-US"/>
           </a:p>
@@ -4570,7 +4570,7 @@
           <a:p>
             <a:fld id="{3069C0D2-A4CE-4A74-B576-94066A7B6826}" type="datetimeFigureOut">
               <a:rPr lang="zh-CN" altLang="en-US" smtClean="0"/>
-              <a:t>2019/1/22</a:t>
+              <a:t>2022/1/3</a:t>
             </a:fld>
             <a:endParaRPr lang="zh-CN" altLang="en-US"/>
           </a:p>
@@ -4834,7 +4834,7 @@
           <a:p>
             <a:fld id="{3069C0D2-A4CE-4A74-B576-94066A7B6826}" type="datetimeFigureOut">
               <a:rPr lang="zh-CN" altLang="en-US" smtClean="0"/>
-              <a:t>2019/1/22</a:t>
+              <a:t>2022/1/3</a:t>
             </a:fld>
             <a:endParaRPr lang="zh-CN" altLang="en-US"/>
           </a:p>
@@ -5475,7 +5475,7 @@
           <a:p>
             <a:fld id="{3069C0D2-A4CE-4A74-B576-94066A7B6826}" type="datetimeFigureOut">
               <a:rPr lang="zh-CN" altLang="en-US" smtClean="0"/>
-              <a:t>2019/1/22</a:t>
+              <a:t>2022/1/3</a:t>
             </a:fld>
             <a:endParaRPr lang="zh-CN" altLang="en-US"/>
           </a:p>
@@ -5851,7 +5851,7 @@
           <a:p>
             <a:fld id="{3069C0D2-A4CE-4A74-B576-94066A7B6826}" type="datetimeFigureOut">
               <a:rPr lang="zh-CN" altLang="en-US" smtClean="0"/>
-              <a:t>2019/1/22</a:t>
+              <a:t>2022/1/3</a:t>
             </a:fld>
             <a:endParaRPr lang="zh-CN" altLang="en-US"/>
           </a:p>
@@ -6357,7 +6357,7 @@
           <a:p>
             <a:fld id="{3069C0D2-A4CE-4A74-B576-94066A7B6826}" type="datetimeFigureOut">
               <a:rPr lang="zh-CN" altLang="en-US" smtClean="0"/>
-              <a:t>2019/1/22</a:t>
+              <a:t>2022/1/3</a:t>
             </a:fld>
             <a:endParaRPr lang="zh-CN" altLang="en-US"/>
           </a:p>
@@ -6614,7 +6614,7 @@
           <a:p>
             <a:fld id="{3069C0D2-A4CE-4A74-B576-94066A7B6826}" type="datetimeFigureOut">
               <a:rPr lang="zh-CN" altLang="en-US" smtClean="0"/>
-              <a:t>2019/1/22</a:t>
+              <a:t>2022/1/3</a:t>
             </a:fld>
             <a:endParaRPr lang="zh-CN" altLang="en-US"/>
           </a:p>
@@ -6777,7 +6777,7 @@
           <a:p>
             <a:fld id="{3069C0D2-A4CE-4A74-B576-94066A7B6826}" type="datetimeFigureOut">
               <a:rPr lang="zh-CN" altLang="en-US" smtClean="0"/>
-              <a:t>2019/1/22</a:t>
+              <a:t>2022/1/3</a:t>
             </a:fld>
             <a:endParaRPr lang="zh-CN" altLang="en-US"/>
           </a:p>
@@ -7167,7 +7167,7 @@
           <a:p>
             <a:fld id="{3069C0D2-A4CE-4A74-B576-94066A7B6826}" type="datetimeFigureOut">
               <a:rPr lang="zh-CN" altLang="en-US" smtClean="0"/>
-              <a:t>2019/1/22</a:t>
+              <a:t>2022/1/3</a:t>
             </a:fld>
             <a:endParaRPr lang="zh-CN" altLang="en-US"/>
           </a:p>
@@ -7576,7 +7576,7 @@
           <a:p>
             <a:fld id="{3069C0D2-A4CE-4A74-B576-94066A7B6826}" type="datetimeFigureOut">
               <a:rPr lang="zh-CN" altLang="en-US" smtClean="0"/>
-              <a:t>2019/1/22</a:t>
+              <a:t>2022/1/3</a:t>
             </a:fld>
             <a:endParaRPr lang="zh-CN" altLang="en-US"/>
           </a:p>
@@ -7852,7 +7852,7 @@
           <a:p>
             <a:fld id="{3069C0D2-A4CE-4A74-B576-94066A7B6826}" type="datetimeFigureOut">
               <a:rPr lang="zh-CN" altLang="en-US" smtClean="0"/>
-              <a:t>2019/1/22</a:t>
+              <a:t>2022/1/3</a:t>
             </a:fld>
             <a:endParaRPr lang="zh-CN" altLang="en-US"/>
           </a:p>
@@ -8350,18 +8350,23 @@
         <p:spPr>
           <a:xfrm>
             <a:off x="7261934" y="4394040"/>
-            <a:ext cx="1562522" cy="373270"/>
+            <a:ext cx="2582282" cy="373270"/>
           </a:xfrm>
         </p:spPr>
         <p:txBody>
-          <a:bodyPr/>
+          <a:bodyPr>
+            <a:normAutofit/>
+          </a:bodyPr>
           <a:lstStyle/>
           <a:p>
             <a:r>
               <a:rPr lang="en-US" altLang="zh-CN" dirty="0"/>
-              <a:t>By attack</a:t>
+              <a:t>By </a:t>
             </a:r>
-            <a:endParaRPr lang="zh-CN" altLang="en-US" dirty="0"/>
+            <a:r>
+              <a:rPr lang="zh-CN" altLang="en-US" dirty="0"/>
+              <a:t>自为风月马前卒</a:t>
+            </a:r>
           </a:p>
         </p:txBody>
       </p:sp>
@@ -25312,8 +25317,8 @@
           </a:p>
         </p:txBody>
       </p:sp>
-      <mc:AlternateContent xmlns:mc="http://schemas.openxmlformats.org/markup-compatibility/2006">
-        <mc:Choice xmlns:a14="http://schemas.microsoft.com/office/drawing/2010/main" Requires="a14">
+      <mc:AlternateContent xmlns:mc="http://schemas.openxmlformats.org/markup-compatibility/2006" xmlns:a14="http://schemas.microsoft.com/office/drawing/2010/main">
+        <mc:Choice Requires="a14">
           <p:sp>
             <p:nvSpPr>
               <p:cNvPr id="3" name="内容占位符 2">
@@ -25798,7 +25803,7 @@
             </p:txBody>
           </p:sp>
         </mc:Choice>
-        <mc:Fallback>
+        <mc:Fallback xmlns="">
           <p:sp>
             <p:nvSpPr>
               <p:cNvPr id="3" name="内容占位符 2">
@@ -25940,8 +25945,8 @@
           </a:p>
         </p:txBody>
       </p:sp>
-      <mc:AlternateContent xmlns:mc="http://schemas.openxmlformats.org/markup-compatibility/2006">
-        <mc:Choice xmlns:a14="http://schemas.microsoft.com/office/drawing/2010/main" Requires="a14">
+      <mc:AlternateContent xmlns:mc="http://schemas.openxmlformats.org/markup-compatibility/2006" xmlns:a14="http://schemas.microsoft.com/office/drawing/2010/main">
+        <mc:Choice Requires="a14">
           <p:sp>
             <p:nvSpPr>
               <p:cNvPr id="3" name="内容占位符 2">
@@ -26007,7 +26012,7 @@
             </p:txBody>
           </p:sp>
         </mc:Choice>
-        <mc:Fallback>
+        <mc:Fallback xmlns="">
           <p:sp>
             <p:nvSpPr>
               <p:cNvPr id="3" name="内容占位符 2">
@@ -26087,8 +26092,8 @@
           </a:prstGeom>
         </p:spPr>
       </p:pic>
-      <mc:AlternateContent xmlns:mc="http://schemas.openxmlformats.org/markup-compatibility/2006">
-        <mc:Choice xmlns:a14="http://schemas.microsoft.com/office/drawing/2010/main" Requires="a14">
+      <mc:AlternateContent xmlns:mc="http://schemas.openxmlformats.org/markup-compatibility/2006" xmlns:a14="http://schemas.microsoft.com/office/drawing/2010/main">
+        <mc:Choice Requires="a14">
           <p:sp>
             <p:nvSpPr>
               <p:cNvPr id="6" name="内容占位符 2">
@@ -26384,7 +26389,7 @@
             </p:txBody>
           </p:sp>
         </mc:Choice>
-        <mc:Fallback>
+        <mc:Fallback xmlns="">
           <p:sp>
             <p:nvSpPr>
               <p:cNvPr id="6" name="内容占位符 2">
@@ -26491,8 +26496,8 @@
           </a:p>
         </p:txBody>
       </p:sp>
-      <mc:AlternateContent xmlns:mc="http://schemas.openxmlformats.org/markup-compatibility/2006">
-        <mc:Choice xmlns:a14="http://schemas.microsoft.com/office/drawing/2010/main" Requires="a14">
+      <mc:AlternateContent xmlns:mc="http://schemas.openxmlformats.org/markup-compatibility/2006" xmlns:a14="http://schemas.microsoft.com/office/drawing/2010/main">
+        <mc:Choice Requires="a14">
           <p:sp>
             <p:nvSpPr>
               <p:cNvPr id="3" name="内容占位符 2">
@@ -26809,7 +26814,7 @@
             </p:txBody>
           </p:sp>
         </mc:Choice>
-        <mc:Fallback>
+        <mc:Fallback xmlns="">
           <p:sp>
             <p:nvSpPr>
               <p:cNvPr id="3" name="内容占位符 2">
@@ -26911,8 +26916,8 @@
           </a:p>
         </p:txBody>
       </p:sp>
-      <mc:AlternateContent xmlns:mc="http://schemas.openxmlformats.org/markup-compatibility/2006">
-        <mc:Choice xmlns:a14="http://schemas.microsoft.com/office/drawing/2010/main" Requires="a14">
+      <mc:AlternateContent xmlns:mc="http://schemas.openxmlformats.org/markup-compatibility/2006" xmlns:a14="http://schemas.microsoft.com/office/drawing/2010/main">
+        <mc:Choice Requires="a14">
           <p:sp>
             <p:nvSpPr>
               <p:cNvPr id="3" name="内容占位符 2">
@@ -27126,7 +27131,7 @@
             </p:txBody>
           </p:sp>
         </mc:Choice>
-        <mc:Fallback>
+        <mc:Fallback xmlns="">
           <p:sp>
             <p:nvSpPr>
               <p:cNvPr id="3" name="内容占位符 2">
@@ -27258,8 +27263,8 @@
           </a:p>
         </p:txBody>
       </p:sp>
-      <mc:AlternateContent xmlns:mc="http://schemas.openxmlformats.org/markup-compatibility/2006">
-        <mc:Choice xmlns:a14="http://schemas.microsoft.com/office/drawing/2010/main" Requires="a14">
+      <mc:AlternateContent xmlns:mc="http://schemas.openxmlformats.org/markup-compatibility/2006" xmlns:a14="http://schemas.microsoft.com/office/drawing/2010/main">
+        <mc:Choice Requires="a14">
           <p:sp>
             <p:nvSpPr>
               <p:cNvPr id="3" name="内容占位符 2">
@@ -27597,7 +27602,7 @@
             </p:txBody>
           </p:sp>
         </mc:Choice>
-        <mc:Fallback>
+        <mc:Fallback xmlns="">
           <p:sp>
             <p:nvSpPr>
               <p:cNvPr id="3" name="内容占位符 2">
@@ -27700,8 +27705,8 @@
           </a:p>
         </p:txBody>
       </p:sp>
-      <mc:AlternateContent xmlns:mc="http://schemas.openxmlformats.org/markup-compatibility/2006">
-        <mc:Choice xmlns:a14="http://schemas.microsoft.com/office/drawing/2010/main" Requires="a14">
+      <mc:AlternateContent xmlns:mc="http://schemas.openxmlformats.org/markup-compatibility/2006" xmlns:a14="http://schemas.microsoft.com/office/drawing/2010/main">
+        <mc:Choice Requires="a14">
           <p:sp>
             <p:nvSpPr>
               <p:cNvPr id="3" name="内容占位符 2">
@@ -27859,7 +27864,7 @@
             </p:txBody>
           </p:sp>
         </mc:Choice>
-        <mc:Fallback>
+        <mc:Fallback xmlns="">
           <p:sp>
             <p:nvSpPr>
               <p:cNvPr id="3" name="内容占位符 2">
